--- a/2018-09-15/Software Training 101.pptx
+++ b/2018-09-15/Software Training 101.pptx
@@ -142,7 +142,7 @@
 <file path=ppt/revisionInfo.xml><?xml version="1.0" encoding="utf-8"?>
 <p1510:revInfo xmlns:a="http://schemas.openxmlformats.org/drawingml/2006/main" xmlns:r="http://schemas.openxmlformats.org/officeDocument/2006/relationships" xmlns:p1510="http://schemas.microsoft.com/office/powerpoint/2015/10/main">
   <p1510:revLst>
-    <p1510:client id="{9D72D23B-30D9-4F40-9D56-9E7469575EC2}" v="1747" dt="2018-09-10T19:08:08.670"/>
+    <p1510:client id="{9D72D23B-30D9-4F40-9D56-9E7469575EC2}" v="1793" dt="2018-09-10T20:21:40.310"/>
   </p1510:revLst>
 </p1510:revInfo>
 </file>
@@ -152,7 +152,7 @@
   <pc:docChgLst>
     <pc:chgData name="Sharon Rigg" userId="caa9bfd7e97ae0c1" providerId="LiveId" clId="{9D72D23B-30D9-4F40-9D56-9E7469575EC2}"/>
     <pc:docChg chg="undo custSel mod addSld delSld modSld">
-      <pc:chgData name="Sharon Rigg" userId="caa9bfd7e97ae0c1" providerId="LiveId" clId="{9D72D23B-30D9-4F40-9D56-9E7469575EC2}" dt="2018-09-10T19:08:08.670" v="1745" actId="114"/>
+      <pc:chgData name="Sharon Rigg" userId="caa9bfd7e97ae0c1" providerId="LiveId" clId="{9D72D23B-30D9-4F40-9D56-9E7469575EC2}" dt="2018-09-10T20:21:40.310" v="1791" actId="20577"/>
       <pc:docMkLst>
         <pc:docMk/>
       </pc:docMkLst>
@@ -335,7 +335,7 @@
         </pc:spChg>
       </pc:sldChg>
       <pc:sldChg chg="modSp add">
-        <pc:chgData name="Sharon Rigg" userId="caa9bfd7e97ae0c1" providerId="LiveId" clId="{9D72D23B-30D9-4F40-9D56-9E7469575EC2}" dt="2018-09-10T03:25:25.193" v="235" actId="20577"/>
+        <pc:chgData name="Sharon Rigg" userId="caa9bfd7e97ae0c1" providerId="LiveId" clId="{9D72D23B-30D9-4F40-9D56-9E7469575EC2}" dt="2018-09-10T20:21:40.310" v="1791" actId="20577"/>
         <pc:sldMkLst>
           <pc:docMk/>
           <pc:sldMk cId="233261914" sldId="275"/>
@@ -349,7 +349,7 @@
           </ac:spMkLst>
         </pc:spChg>
         <pc:spChg chg="mod">
-          <ac:chgData name="Sharon Rigg" userId="caa9bfd7e97ae0c1" providerId="LiveId" clId="{9D72D23B-30D9-4F40-9D56-9E7469575EC2}" dt="2018-09-10T03:25:25.193" v="235" actId="20577"/>
+          <ac:chgData name="Sharon Rigg" userId="caa9bfd7e97ae0c1" providerId="LiveId" clId="{9D72D23B-30D9-4F40-9D56-9E7469575EC2}" dt="2018-09-10T20:21:40.310" v="1791" actId="20577"/>
           <ac:spMkLst>
             <pc:docMk/>
             <pc:sldMk cId="233261914" sldId="275"/>
@@ -3333,7 +3333,7 @@
           <a:noFill/>
           <a:extLst>
             <a:ext uri="{909E8E84-426E-40dd-AFC4-6F175D3DCCD1}">
-              <a14:hiddenFill xmlns:a14="http://schemas.microsoft.com/office/drawing/2010/main" xmlns="">
+              <a14:hiddenFill xmlns="" xmlns:a14="http://schemas.microsoft.com/office/drawing/2010/main">
                 <a:solidFill>
                   <a:srgbClr val="FFFFFF"/>
                 </a:solidFill>
@@ -3393,7 +3393,7 @@
             </a:ln>
             <a:extLst>
               <a:ext uri="{91240B29-F687-4f45-9708-019B960494DF}">
-                <a14:hiddenLine xmlns:a14="http://schemas.microsoft.com/office/drawing/2010/main" xmlns="" w="9525">
+                <a14:hiddenLine xmlns="" xmlns:a14="http://schemas.microsoft.com/office/drawing/2010/main" w="9525">
                   <a:solidFill>
                     <a:srgbClr val="000000"/>
                   </a:solidFill>
@@ -3483,7 +3483,7 @@
             </a:ln>
             <a:extLst>
               <a:ext uri="{91240B29-F687-4f45-9708-019B960494DF}">
-                <a14:hiddenLine xmlns:a14="http://schemas.microsoft.com/office/drawing/2010/main" xmlns="" w="9525">
+                <a14:hiddenLine xmlns="" xmlns:a14="http://schemas.microsoft.com/office/drawing/2010/main" w="9525">
                   <a:solidFill>
                     <a:srgbClr val="000000"/>
                   </a:solidFill>
@@ -3573,7 +3573,7 @@
             </a:ln>
             <a:extLst>
               <a:ext uri="{91240B29-F687-4f45-9708-019B960494DF}">
-                <a14:hiddenLine xmlns:a14="http://schemas.microsoft.com/office/drawing/2010/main" xmlns="" w="9525">
+                <a14:hiddenLine xmlns="" xmlns:a14="http://schemas.microsoft.com/office/drawing/2010/main" w="9525">
                   <a:solidFill>
                     <a:srgbClr val="000000"/>
                   </a:solidFill>
@@ -3607,7 +3607,7 @@
             </a:ln>
             <a:extLst>
               <a:ext uri="{91240B29-F687-4f45-9708-019B960494DF}">
-                <a14:hiddenLine xmlns:a14="http://schemas.microsoft.com/office/drawing/2010/main" xmlns="" w="9525">
+                <a14:hiddenLine xmlns="" xmlns:a14="http://schemas.microsoft.com/office/drawing/2010/main" w="9525">
                   <a:solidFill>
                     <a:srgbClr val="000000"/>
                   </a:solidFill>
@@ -3697,7 +3697,7 @@
             </a:ln>
             <a:extLst>
               <a:ext uri="{91240B29-F687-4f45-9708-019B960494DF}">
-                <a14:hiddenLine xmlns:a14="http://schemas.microsoft.com/office/drawing/2010/main" xmlns="" w="9525">
+                <a14:hiddenLine xmlns="" xmlns:a14="http://schemas.microsoft.com/office/drawing/2010/main" w="9525">
                   <a:solidFill>
                     <a:srgbClr val="000000"/>
                   </a:solidFill>
@@ -3759,7 +3759,7 @@
             </a:ln>
             <a:extLst>
               <a:ext uri="{91240B29-F687-4f45-9708-019B960494DF}">
-                <a14:hiddenLine xmlns:a14="http://schemas.microsoft.com/office/drawing/2010/main" xmlns="" w="9525">
+                <a14:hiddenLine xmlns="" xmlns:a14="http://schemas.microsoft.com/office/drawing/2010/main" w="9525">
                   <a:solidFill>
                     <a:srgbClr val="000000"/>
                   </a:solidFill>
@@ -3821,7 +3821,7 @@
             </a:ln>
             <a:extLst>
               <a:ext uri="{91240B29-F687-4f45-9708-019B960494DF}">
-                <a14:hiddenLine xmlns:a14="http://schemas.microsoft.com/office/drawing/2010/main" xmlns="" w="9525">
+                <a14:hiddenLine xmlns="" xmlns:a14="http://schemas.microsoft.com/office/drawing/2010/main" w="9525">
                   <a:solidFill>
                     <a:srgbClr val="000000"/>
                   </a:solidFill>
@@ -3911,7 +3911,7 @@
             </a:ln>
             <a:extLst>
               <a:ext uri="{91240B29-F687-4f45-9708-019B960494DF}">
-                <a14:hiddenLine xmlns:a14="http://schemas.microsoft.com/office/drawing/2010/main" xmlns="" w="9525">
+                <a14:hiddenLine xmlns="" xmlns:a14="http://schemas.microsoft.com/office/drawing/2010/main" w="9525">
                   <a:solidFill>
                     <a:srgbClr val="000000"/>
                   </a:solidFill>
@@ -3973,7 +3973,7 @@
             </a:ln>
             <a:extLst>
               <a:ext uri="{91240B29-F687-4f45-9708-019B960494DF}">
-                <a14:hiddenLine xmlns:a14="http://schemas.microsoft.com/office/drawing/2010/main" xmlns="" w="9525">
+                <a14:hiddenLine xmlns="" xmlns:a14="http://schemas.microsoft.com/office/drawing/2010/main" w="9525">
                   <a:solidFill>
                     <a:srgbClr val="000000"/>
                   </a:solidFill>
@@ -4035,7 +4035,7 @@
             </a:ln>
             <a:extLst>
               <a:ext uri="{91240B29-F687-4f45-9708-019B960494DF}">
-                <a14:hiddenLine xmlns:a14="http://schemas.microsoft.com/office/drawing/2010/main" xmlns="" w="9525">
+                <a14:hiddenLine xmlns="" xmlns:a14="http://schemas.microsoft.com/office/drawing/2010/main" w="9525">
                   <a:solidFill>
                     <a:srgbClr val="000000"/>
                   </a:solidFill>
@@ -4125,7 +4125,7 @@
             </a:ln>
             <a:extLst>
               <a:ext uri="{91240B29-F687-4f45-9708-019B960494DF}">
-                <a14:hiddenLine xmlns:a14="http://schemas.microsoft.com/office/drawing/2010/main" xmlns="" w="9525">
+                <a14:hiddenLine xmlns="" xmlns:a14="http://schemas.microsoft.com/office/drawing/2010/main" w="9525">
                   <a:solidFill>
                     <a:srgbClr val="000000"/>
                   </a:solidFill>
@@ -4215,7 +4215,7 @@
             </a:ln>
             <a:extLst>
               <a:ext uri="{91240B29-F687-4f45-9708-019B960494DF}">
-                <a14:hiddenLine xmlns:a14="http://schemas.microsoft.com/office/drawing/2010/main" xmlns="" w="9525">
+                <a14:hiddenLine xmlns="" xmlns:a14="http://schemas.microsoft.com/office/drawing/2010/main" w="9525">
                   <a:solidFill>
                     <a:srgbClr val="000000"/>
                   </a:solidFill>
@@ -4277,7 +4277,7 @@
             </a:ln>
             <a:extLst>
               <a:ext uri="{91240B29-F687-4f45-9708-019B960494DF}">
-                <a14:hiddenLine xmlns:a14="http://schemas.microsoft.com/office/drawing/2010/main" xmlns="" w="9525">
+                <a14:hiddenLine xmlns="" xmlns:a14="http://schemas.microsoft.com/office/drawing/2010/main" w="9525">
                   <a:solidFill>
                     <a:srgbClr val="000000"/>
                   </a:solidFill>
@@ -4387,7 +4387,7 @@
             </a:ln>
             <a:extLst>
               <a:ext uri="{91240B29-F687-4f45-9708-019B960494DF}">
-                <a14:hiddenLine xmlns:a14="http://schemas.microsoft.com/office/drawing/2010/main" xmlns="" w="9525">
+                <a14:hiddenLine xmlns="" xmlns:a14="http://schemas.microsoft.com/office/drawing/2010/main" w="9525">
                   <a:solidFill>
                     <a:srgbClr val="000000"/>
                   </a:solidFill>
@@ -4449,7 +4449,7 @@
             </a:ln>
             <a:extLst>
               <a:ext uri="{91240B29-F687-4f45-9708-019B960494DF}">
-                <a14:hiddenLine xmlns:a14="http://schemas.microsoft.com/office/drawing/2010/main" xmlns="" w="9525">
+                <a14:hiddenLine xmlns="" xmlns:a14="http://schemas.microsoft.com/office/drawing/2010/main" w="9525">
                   <a:solidFill>
                     <a:srgbClr val="000000"/>
                   </a:solidFill>
@@ -4539,7 +4539,7 @@
             </a:ln>
             <a:extLst>
               <a:ext uri="{91240B29-F687-4f45-9708-019B960494DF}">
-                <a14:hiddenLine xmlns:a14="http://schemas.microsoft.com/office/drawing/2010/main" xmlns="" w="9525">
+                <a14:hiddenLine xmlns="" xmlns:a14="http://schemas.microsoft.com/office/drawing/2010/main" w="9525">
                   <a:solidFill>
                     <a:srgbClr val="000000"/>
                   </a:solidFill>
@@ -4629,7 +4629,7 @@
             </a:ln>
             <a:extLst>
               <a:ext uri="{91240B29-F687-4f45-9708-019B960494DF}">
-                <a14:hiddenLine xmlns:a14="http://schemas.microsoft.com/office/drawing/2010/main" xmlns="" w="9525">
+                <a14:hiddenLine xmlns="" xmlns:a14="http://schemas.microsoft.com/office/drawing/2010/main" w="9525">
                   <a:solidFill>
                     <a:srgbClr val="000000"/>
                   </a:solidFill>
@@ -4691,7 +4691,7 @@
             </a:ln>
             <a:extLst>
               <a:ext uri="{91240B29-F687-4f45-9708-019B960494DF}">
-                <a14:hiddenLine xmlns:a14="http://schemas.microsoft.com/office/drawing/2010/main" xmlns="" w="9525">
+                <a14:hiddenLine xmlns="" xmlns:a14="http://schemas.microsoft.com/office/drawing/2010/main" w="9525">
                   <a:solidFill>
                     <a:srgbClr val="000000"/>
                   </a:solidFill>
@@ -4781,7 +4781,7 @@
             </a:ln>
             <a:extLst>
               <a:ext uri="{91240B29-F687-4f45-9708-019B960494DF}">
-                <a14:hiddenLine xmlns:a14="http://schemas.microsoft.com/office/drawing/2010/main" xmlns="" w="9525">
+                <a14:hiddenLine xmlns="" xmlns:a14="http://schemas.microsoft.com/office/drawing/2010/main" w="9525">
                   <a:solidFill>
                     <a:srgbClr val="000000"/>
                   </a:solidFill>
@@ -4871,7 +4871,7 @@
             </a:ln>
             <a:extLst>
               <a:ext uri="{91240B29-F687-4f45-9708-019B960494DF}">
-                <a14:hiddenLine xmlns:a14="http://schemas.microsoft.com/office/drawing/2010/main" xmlns="" w="9525">
+                <a14:hiddenLine xmlns="" xmlns:a14="http://schemas.microsoft.com/office/drawing/2010/main" w="9525">
                   <a:solidFill>
                     <a:srgbClr val="000000"/>
                   </a:solidFill>
@@ -4927,7 +4927,7 @@
             </a:ln>
             <a:extLst>
               <a:ext uri="{91240B29-F687-4f45-9708-019B960494DF}">
-                <a14:hiddenLine xmlns:a14="http://schemas.microsoft.com/office/drawing/2010/main" xmlns="" w="9525">
+                <a14:hiddenLine xmlns="" xmlns:a14="http://schemas.microsoft.com/office/drawing/2010/main" w="9525">
                   <a:solidFill>
                     <a:srgbClr val="000000"/>
                   </a:solidFill>
@@ -5017,7 +5017,7 @@
             </a:ln>
             <a:extLst>
               <a:ext uri="{91240B29-F687-4f45-9708-019B960494DF}">
-                <a14:hiddenLine xmlns:a14="http://schemas.microsoft.com/office/drawing/2010/main" xmlns="" w="9525">
+                <a14:hiddenLine xmlns="" xmlns:a14="http://schemas.microsoft.com/office/drawing/2010/main" w="9525">
                   <a:solidFill>
                     <a:srgbClr val="000000"/>
                   </a:solidFill>
@@ -5073,7 +5073,7 @@
             </a:ln>
             <a:extLst>
               <a:ext uri="{91240B29-F687-4f45-9708-019B960494DF}">
-                <a14:hiddenLine xmlns:a14="http://schemas.microsoft.com/office/drawing/2010/main" xmlns="" w="9525">
+                <a14:hiddenLine xmlns="" xmlns:a14="http://schemas.microsoft.com/office/drawing/2010/main" w="9525">
                   <a:solidFill>
                     <a:srgbClr val="000000"/>
                   </a:solidFill>
@@ -5163,7 +5163,7 @@
             </a:ln>
             <a:extLst>
               <a:ext uri="{91240B29-F687-4f45-9708-019B960494DF}">
-                <a14:hiddenLine xmlns:a14="http://schemas.microsoft.com/office/drawing/2010/main" xmlns="" w="9525">
+                <a14:hiddenLine xmlns="" xmlns:a14="http://schemas.microsoft.com/office/drawing/2010/main" w="9525">
                   <a:solidFill>
                     <a:srgbClr val="000000"/>
                   </a:solidFill>
@@ -5231,7 +5231,7 @@
             </a:ln>
             <a:extLst>
               <a:ext uri="{91240B29-F687-4f45-9708-019B960494DF}">
-                <a14:hiddenLine xmlns:a14="http://schemas.microsoft.com/office/drawing/2010/main" xmlns="" w="9525">
+                <a14:hiddenLine xmlns="" xmlns:a14="http://schemas.microsoft.com/office/drawing/2010/main" w="9525">
                   <a:solidFill>
                     <a:srgbClr val="000000"/>
                   </a:solidFill>
@@ -5321,7 +5321,7 @@
             </a:ln>
             <a:extLst>
               <a:ext uri="{91240B29-F687-4f45-9708-019B960494DF}">
-                <a14:hiddenLine xmlns:a14="http://schemas.microsoft.com/office/drawing/2010/main" xmlns="" w="9525">
+                <a14:hiddenLine xmlns="" xmlns:a14="http://schemas.microsoft.com/office/drawing/2010/main" w="9525">
                   <a:solidFill>
                     <a:srgbClr val="000000"/>
                   </a:solidFill>
@@ -5389,7 +5389,7 @@
             </a:ln>
             <a:extLst>
               <a:ext uri="{91240B29-F687-4f45-9708-019B960494DF}">
-                <a14:hiddenLine xmlns:a14="http://schemas.microsoft.com/office/drawing/2010/main" xmlns="" w="9525">
+                <a14:hiddenLine xmlns="" xmlns:a14="http://schemas.microsoft.com/office/drawing/2010/main" w="9525">
                   <a:solidFill>
                     <a:srgbClr val="000000"/>
                   </a:solidFill>
@@ -5479,7 +5479,7 @@
             </a:ln>
             <a:extLst>
               <a:ext uri="{91240B29-F687-4f45-9708-019B960494DF}">
-                <a14:hiddenLine xmlns:a14="http://schemas.microsoft.com/office/drawing/2010/main" xmlns="" w="9525">
+                <a14:hiddenLine xmlns="" xmlns:a14="http://schemas.microsoft.com/office/drawing/2010/main" w="9525">
                   <a:solidFill>
                     <a:srgbClr val="000000"/>
                   </a:solidFill>
@@ -5513,7 +5513,7 @@
             </a:ln>
             <a:extLst>
               <a:ext uri="{91240B29-F687-4f45-9708-019B960494DF}">
-                <a14:hiddenLine xmlns:a14="http://schemas.microsoft.com/office/drawing/2010/main" xmlns="" w="9525">
+                <a14:hiddenLine xmlns="" xmlns:a14="http://schemas.microsoft.com/office/drawing/2010/main" w="9525">
                   <a:solidFill>
                     <a:srgbClr val="000000"/>
                   </a:solidFill>
@@ -5603,7 +5603,7 @@
             </a:ln>
             <a:extLst>
               <a:ext uri="{91240B29-F687-4f45-9708-019B960494DF}">
-                <a14:hiddenLine xmlns:a14="http://schemas.microsoft.com/office/drawing/2010/main" xmlns="" w="9525">
+                <a14:hiddenLine xmlns="" xmlns:a14="http://schemas.microsoft.com/office/drawing/2010/main" w="9525">
                   <a:solidFill>
                     <a:srgbClr val="000000"/>
                   </a:solidFill>
@@ -5665,7 +5665,7 @@
             </a:ln>
             <a:extLst>
               <a:ext uri="{91240B29-F687-4f45-9708-019B960494DF}">
-                <a14:hiddenLine xmlns:a14="http://schemas.microsoft.com/office/drawing/2010/main" xmlns="" w="9525">
+                <a14:hiddenLine xmlns="" xmlns:a14="http://schemas.microsoft.com/office/drawing/2010/main" w="9525">
                   <a:solidFill>
                     <a:srgbClr val="000000"/>
                   </a:solidFill>
@@ -5727,7 +5727,7 @@
             </a:ln>
             <a:extLst>
               <a:ext uri="{91240B29-F687-4f45-9708-019B960494DF}">
-                <a14:hiddenLine xmlns:a14="http://schemas.microsoft.com/office/drawing/2010/main" xmlns="" w="9525">
+                <a14:hiddenLine xmlns="" xmlns:a14="http://schemas.microsoft.com/office/drawing/2010/main" w="9525">
                   <a:solidFill>
                     <a:srgbClr val="000000"/>
                   </a:solidFill>
@@ -5817,7 +5817,7 @@
             </a:ln>
             <a:extLst>
               <a:ext uri="{91240B29-F687-4f45-9708-019B960494DF}">
-                <a14:hiddenLine xmlns:a14="http://schemas.microsoft.com/office/drawing/2010/main" xmlns="" w="9525">
+                <a14:hiddenLine xmlns="" xmlns:a14="http://schemas.microsoft.com/office/drawing/2010/main" w="9525">
                   <a:solidFill>
                     <a:srgbClr val="000000"/>
                   </a:solidFill>
@@ -5885,7 +5885,7 @@
             </a:ln>
             <a:extLst>
               <a:ext uri="{91240B29-F687-4f45-9708-019B960494DF}">
-                <a14:hiddenLine xmlns:a14="http://schemas.microsoft.com/office/drawing/2010/main" xmlns="" w="9525">
+                <a14:hiddenLine xmlns="" xmlns:a14="http://schemas.microsoft.com/office/drawing/2010/main" w="9525">
                   <a:solidFill>
                     <a:srgbClr val="000000"/>
                   </a:solidFill>
@@ -5947,7 +5947,7 @@
             </a:ln>
             <a:extLst>
               <a:ext uri="{91240B29-F687-4f45-9708-019B960494DF}">
-                <a14:hiddenLine xmlns:a14="http://schemas.microsoft.com/office/drawing/2010/main" xmlns="" w="9525">
+                <a14:hiddenLine xmlns="" xmlns:a14="http://schemas.microsoft.com/office/drawing/2010/main" w="9525">
                   <a:solidFill>
                     <a:srgbClr val="000000"/>
                   </a:solidFill>
@@ -6037,7 +6037,7 @@
             </a:ln>
             <a:extLst>
               <a:ext uri="{91240B29-F687-4f45-9708-019B960494DF}">
-                <a14:hiddenLine xmlns:a14="http://schemas.microsoft.com/office/drawing/2010/main" xmlns="" w="9525">
+                <a14:hiddenLine xmlns="" xmlns:a14="http://schemas.microsoft.com/office/drawing/2010/main" w="9525">
                   <a:solidFill>
                     <a:srgbClr val="000000"/>
                   </a:solidFill>
@@ -6099,7 +6099,7 @@
             </a:ln>
             <a:extLst>
               <a:ext uri="{91240B29-F687-4f45-9708-019B960494DF}">
-                <a14:hiddenLine xmlns:a14="http://schemas.microsoft.com/office/drawing/2010/main" xmlns="" w="9525">
+                <a14:hiddenLine xmlns="" xmlns:a14="http://schemas.microsoft.com/office/drawing/2010/main" w="9525">
                   <a:solidFill>
                     <a:srgbClr val="000000"/>
                   </a:solidFill>
@@ -6189,7 +6189,7 @@
             </a:ln>
             <a:extLst>
               <a:ext uri="{91240B29-F687-4f45-9708-019B960494DF}">
-                <a14:hiddenLine xmlns:a14="http://schemas.microsoft.com/office/drawing/2010/main" xmlns="" w="9525">
+                <a14:hiddenLine xmlns="" xmlns:a14="http://schemas.microsoft.com/office/drawing/2010/main" w="9525">
                   <a:solidFill>
                     <a:srgbClr val="000000"/>
                   </a:solidFill>
@@ -6251,7 +6251,7 @@
             </a:ln>
             <a:extLst>
               <a:ext uri="{91240B29-F687-4f45-9708-019B960494DF}">
-                <a14:hiddenLine xmlns:a14="http://schemas.microsoft.com/office/drawing/2010/main" xmlns="" w="9525">
+                <a14:hiddenLine xmlns="" xmlns:a14="http://schemas.microsoft.com/office/drawing/2010/main" w="9525">
                   <a:solidFill>
                     <a:srgbClr val="000000"/>
                   </a:solidFill>
@@ -6341,7 +6341,7 @@
             </a:ln>
             <a:extLst>
               <a:ext uri="{91240B29-F687-4f45-9708-019B960494DF}">
-                <a14:hiddenLine xmlns:a14="http://schemas.microsoft.com/office/drawing/2010/main" xmlns="" w="9525">
+                <a14:hiddenLine xmlns="" xmlns:a14="http://schemas.microsoft.com/office/drawing/2010/main" w="9525">
                   <a:solidFill>
                     <a:srgbClr val="000000"/>
                   </a:solidFill>
@@ -6375,7 +6375,7 @@
             </a:ln>
             <a:extLst>
               <a:ext uri="{91240B29-F687-4f45-9708-019B960494DF}">
-                <a14:hiddenLine xmlns:a14="http://schemas.microsoft.com/office/drawing/2010/main" xmlns="" w="9525">
+                <a14:hiddenLine xmlns="" xmlns:a14="http://schemas.microsoft.com/office/drawing/2010/main" w="9525">
                   <a:solidFill>
                     <a:srgbClr val="000000"/>
                   </a:solidFill>
@@ -6440,7 +6440,7 @@
             </a:ln>
             <a:extLst>
               <a:ext uri="{91240B29-F687-4f45-9708-019B960494DF}">
-                <a14:hiddenLine xmlns:a14="http://schemas.microsoft.com/office/drawing/2010/main" xmlns="" w="9525">
+                <a14:hiddenLine xmlns="" xmlns:a14="http://schemas.microsoft.com/office/drawing/2010/main" w="9525">
                   <a:solidFill>
                     <a:srgbClr val="000000"/>
                   </a:solidFill>
@@ -6530,7 +6530,7 @@
             </a:ln>
             <a:extLst>
               <a:ext uri="{91240B29-F687-4f45-9708-019B960494DF}">
-                <a14:hiddenLine xmlns:a14="http://schemas.microsoft.com/office/drawing/2010/main" xmlns="" w="9525">
+                <a14:hiddenLine xmlns="" xmlns:a14="http://schemas.microsoft.com/office/drawing/2010/main" w="9525">
                   <a:solidFill>
                     <a:srgbClr val="000000"/>
                   </a:solidFill>
@@ -6592,7 +6592,7 @@
             </a:ln>
             <a:extLst>
               <a:ext uri="{91240B29-F687-4f45-9708-019B960494DF}">
-                <a14:hiddenLine xmlns:a14="http://schemas.microsoft.com/office/drawing/2010/main" xmlns="" w="9525">
+                <a14:hiddenLine xmlns="" xmlns:a14="http://schemas.microsoft.com/office/drawing/2010/main" w="9525">
                   <a:solidFill>
                     <a:srgbClr val="000000"/>
                   </a:solidFill>
@@ -6682,7 +6682,7 @@
             </a:ln>
             <a:extLst>
               <a:ext uri="{91240B29-F687-4f45-9708-019B960494DF}">
-                <a14:hiddenLine xmlns:a14="http://schemas.microsoft.com/office/drawing/2010/main" xmlns="" w="9525">
+                <a14:hiddenLine xmlns="" xmlns:a14="http://schemas.microsoft.com/office/drawing/2010/main" w="9525">
                   <a:solidFill>
                     <a:srgbClr val="000000"/>
                   </a:solidFill>
@@ -6772,7 +6772,7 @@
             </a:ln>
             <a:extLst>
               <a:ext uri="{91240B29-F687-4f45-9708-019B960494DF}">
-                <a14:hiddenLine xmlns:a14="http://schemas.microsoft.com/office/drawing/2010/main" xmlns="" w="9525">
+                <a14:hiddenLine xmlns="" xmlns:a14="http://schemas.microsoft.com/office/drawing/2010/main" w="9525">
                   <a:solidFill>
                     <a:srgbClr val="000000"/>
                   </a:solidFill>
@@ -6837,7 +6837,7 @@
             </a:ln>
             <a:extLst>
               <a:ext uri="{91240B29-F687-4f45-9708-019B960494DF}">
-                <a14:hiddenLine xmlns:a14="http://schemas.microsoft.com/office/drawing/2010/main" xmlns="" w="9525">
+                <a14:hiddenLine xmlns="" xmlns:a14="http://schemas.microsoft.com/office/drawing/2010/main" w="9525">
                   <a:solidFill>
                     <a:srgbClr val="000000"/>
                   </a:solidFill>
@@ -6899,7 +6899,7 @@
             </a:ln>
             <a:extLst>
               <a:ext uri="{91240B29-F687-4f45-9708-019B960494DF}">
-                <a14:hiddenLine xmlns:a14="http://schemas.microsoft.com/office/drawing/2010/main" xmlns="" w="9525">
+                <a14:hiddenLine xmlns="" xmlns:a14="http://schemas.microsoft.com/office/drawing/2010/main" w="9525">
                   <a:solidFill>
                     <a:srgbClr val="000000"/>
                   </a:solidFill>
@@ -6989,7 +6989,7 @@
             </a:ln>
             <a:extLst>
               <a:ext uri="{91240B29-F687-4f45-9708-019B960494DF}">
-                <a14:hiddenLine xmlns:a14="http://schemas.microsoft.com/office/drawing/2010/main" xmlns="" w="9525">
+                <a14:hiddenLine xmlns="" xmlns:a14="http://schemas.microsoft.com/office/drawing/2010/main" w="9525">
                   <a:solidFill>
                     <a:srgbClr val="000000"/>
                   </a:solidFill>
@@ -7079,7 +7079,7 @@
             </a:ln>
             <a:extLst>
               <a:ext uri="{91240B29-F687-4f45-9708-019B960494DF}">
-                <a14:hiddenLine xmlns:a14="http://schemas.microsoft.com/office/drawing/2010/main" xmlns="" w="9525">
+                <a14:hiddenLine xmlns="" xmlns:a14="http://schemas.microsoft.com/office/drawing/2010/main" w="9525">
                   <a:solidFill>
                     <a:srgbClr val="000000"/>
                   </a:solidFill>
@@ -7141,7 +7141,7 @@
             </a:ln>
             <a:extLst>
               <a:ext uri="{91240B29-F687-4f45-9708-019B960494DF}">
-                <a14:hiddenLine xmlns:a14="http://schemas.microsoft.com/office/drawing/2010/main" xmlns="" w="9525">
+                <a14:hiddenLine xmlns="" xmlns:a14="http://schemas.microsoft.com/office/drawing/2010/main" w="9525">
                   <a:solidFill>
                     <a:srgbClr val="000000"/>
                   </a:solidFill>
@@ -7261,7 +7261,7 @@
             </a:ln>
             <a:extLst>
               <a:ext uri="{91240B29-F687-4f45-9708-019B960494DF}">
-                <a14:hiddenLine xmlns:a14="http://schemas.microsoft.com/office/drawing/2010/main" xmlns="" w="9525">
+                <a14:hiddenLine xmlns="" xmlns:a14="http://schemas.microsoft.com/office/drawing/2010/main" w="9525">
                   <a:solidFill>
                     <a:srgbClr val="000000"/>
                   </a:solidFill>
@@ -7329,7 +7329,7 @@
             </a:ln>
             <a:extLst>
               <a:ext uri="{91240B29-F687-4f45-9708-019B960494DF}">
-                <a14:hiddenLine xmlns:a14="http://schemas.microsoft.com/office/drawing/2010/main" xmlns="" w="9525">
+                <a14:hiddenLine xmlns="" xmlns:a14="http://schemas.microsoft.com/office/drawing/2010/main" w="9525">
                   <a:solidFill>
                     <a:srgbClr val="000000"/>
                   </a:solidFill>
@@ -7419,7 +7419,7 @@
             </a:ln>
             <a:extLst>
               <a:ext uri="{91240B29-F687-4f45-9708-019B960494DF}">
-                <a14:hiddenLine xmlns:a14="http://schemas.microsoft.com/office/drawing/2010/main" xmlns="" w="9525">
+                <a14:hiddenLine xmlns="" xmlns:a14="http://schemas.microsoft.com/office/drawing/2010/main" w="9525">
                   <a:solidFill>
                     <a:srgbClr val="000000"/>
                   </a:solidFill>
@@ -12148,7 +12148,7 @@
           <a:noFill/>
           <a:extLst>
             <a:ext uri="{909E8E84-426E-40dd-AFC4-6F175D3DCCD1}">
-              <a14:hiddenFill xmlns:a14="http://schemas.microsoft.com/office/drawing/2010/main" xmlns="">
+              <a14:hiddenFill xmlns="" xmlns:a14="http://schemas.microsoft.com/office/drawing/2010/main">
                 <a:solidFill>
                   <a:srgbClr val="FFFFFF"/>
                 </a:solidFill>
@@ -12222,7 +12222,7 @@
               </a:ln>
               <a:extLst>
                 <a:ext uri="{91240B29-F687-4f45-9708-019B960494DF}">
-                  <a14:hiddenLine xmlns:a14="http://schemas.microsoft.com/office/drawing/2010/main" xmlns="" w="9525">
+                  <a14:hiddenLine xmlns="" xmlns:a14="http://schemas.microsoft.com/office/drawing/2010/main" w="9525">
                     <a:solidFill>
                       <a:srgbClr val="000000"/>
                     </a:solidFill>
@@ -12312,7 +12312,7 @@
               </a:ln>
               <a:extLst>
                 <a:ext uri="{91240B29-F687-4f45-9708-019B960494DF}">
-                  <a14:hiddenLine xmlns:a14="http://schemas.microsoft.com/office/drawing/2010/main" xmlns="" w="9525">
+                  <a14:hiddenLine xmlns="" xmlns:a14="http://schemas.microsoft.com/office/drawing/2010/main" w="9525">
                     <a:solidFill>
                       <a:srgbClr val="000000"/>
                     </a:solidFill>
@@ -12402,7 +12402,7 @@
               </a:ln>
               <a:extLst>
                 <a:ext uri="{91240B29-F687-4f45-9708-019B960494DF}">
-                  <a14:hiddenLine xmlns:a14="http://schemas.microsoft.com/office/drawing/2010/main" xmlns="" w="9525">
+                  <a14:hiddenLine xmlns="" xmlns:a14="http://schemas.microsoft.com/office/drawing/2010/main" w="9525">
                     <a:solidFill>
                       <a:srgbClr val="000000"/>
                     </a:solidFill>
@@ -12464,7 +12464,7 @@
               </a:ln>
               <a:extLst>
                 <a:ext uri="{91240B29-F687-4f45-9708-019B960494DF}">
-                  <a14:hiddenLine xmlns:a14="http://schemas.microsoft.com/office/drawing/2010/main" xmlns="" w="9525">
+                  <a14:hiddenLine xmlns="" xmlns:a14="http://schemas.microsoft.com/office/drawing/2010/main" w="9525">
                     <a:solidFill>
                       <a:srgbClr val="000000"/>
                     </a:solidFill>
@@ -12554,7 +12554,7 @@
               </a:ln>
               <a:extLst>
                 <a:ext uri="{91240B29-F687-4f45-9708-019B960494DF}">
-                  <a14:hiddenLine xmlns:a14="http://schemas.microsoft.com/office/drawing/2010/main" xmlns="" w="9525">
+                  <a14:hiddenLine xmlns="" xmlns:a14="http://schemas.microsoft.com/office/drawing/2010/main" w="9525">
                     <a:solidFill>
                       <a:srgbClr val="000000"/>
                     </a:solidFill>
@@ -12616,7 +12616,7 @@
               </a:ln>
               <a:extLst>
                 <a:ext uri="{91240B29-F687-4f45-9708-019B960494DF}">
-                  <a14:hiddenLine xmlns:a14="http://schemas.microsoft.com/office/drawing/2010/main" xmlns="" w="9525">
+                  <a14:hiddenLine xmlns="" xmlns:a14="http://schemas.microsoft.com/office/drawing/2010/main" w="9525">
                     <a:solidFill>
                       <a:srgbClr val="000000"/>
                     </a:solidFill>
@@ -12678,7 +12678,7 @@
               </a:ln>
               <a:extLst>
                 <a:ext uri="{91240B29-F687-4f45-9708-019B960494DF}">
-                  <a14:hiddenLine xmlns:a14="http://schemas.microsoft.com/office/drawing/2010/main" xmlns="" w="9525">
+                  <a14:hiddenLine xmlns="" xmlns:a14="http://schemas.microsoft.com/office/drawing/2010/main" w="9525">
                     <a:solidFill>
                       <a:srgbClr val="000000"/>
                     </a:solidFill>
@@ -12768,7 +12768,7 @@
               </a:ln>
               <a:extLst>
                 <a:ext uri="{91240B29-F687-4f45-9708-019B960494DF}">
-                  <a14:hiddenLine xmlns:a14="http://schemas.microsoft.com/office/drawing/2010/main" xmlns="" w="9525">
+                  <a14:hiddenLine xmlns="" xmlns:a14="http://schemas.microsoft.com/office/drawing/2010/main" w="9525">
                     <a:solidFill>
                       <a:srgbClr val="000000"/>
                     </a:solidFill>
@@ -12858,7 +12858,7 @@
               </a:ln>
               <a:extLst>
                 <a:ext uri="{91240B29-F687-4f45-9708-019B960494DF}">
-                  <a14:hiddenLine xmlns:a14="http://schemas.microsoft.com/office/drawing/2010/main" xmlns="" w="9525">
+                  <a14:hiddenLine xmlns="" xmlns:a14="http://schemas.microsoft.com/office/drawing/2010/main" w="9525">
                     <a:solidFill>
                       <a:srgbClr val="000000"/>
                     </a:solidFill>
@@ -12920,7 +12920,7 @@
               </a:ln>
               <a:extLst>
                 <a:ext uri="{91240B29-F687-4f45-9708-019B960494DF}">
-                  <a14:hiddenLine xmlns:a14="http://schemas.microsoft.com/office/drawing/2010/main" xmlns="" w="9525">
+                  <a14:hiddenLine xmlns="" xmlns:a14="http://schemas.microsoft.com/office/drawing/2010/main" w="9525">
                     <a:solidFill>
                       <a:srgbClr val="000000"/>
                     </a:solidFill>
@@ -13030,7 +13030,7 @@
               </a:ln>
               <a:extLst>
                 <a:ext uri="{91240B29-F687-4f45-9708-019B960494DF}">
-                  <a14:hiddenLine xmlns:a14="http://schemas.microsoft.com/office/drawing/2010/main" xmlns="" w="9525">
+                  <a14:hiddenLine xmlns="" xmlns:a14="http://schemas.microsoft.com/office/drawing/2010/main" w="9525">
                     <a:solidFill>
                       <a:srgbClr val="000000"/>
                     </a:solidFill>
@@ -13114,7 +13114,7 @@
               </a:ln>
               <a:extLst>
                 <a:ext uri="{91240B29-F687-4f45-9708-019B960494DF}">
-                  <a14:hiddenLine xmlns:a14="http://schemas.microsoft.com/office/drawing/2010/main" xmlns="" w="9525">
+                  <a14:hiddenLine xmlns="" xmlns:a14="http://schemas.microsoft.com/office/drawing/2010/main" w="9525">
                     <a:solidFill>
                       <a:srgbClr val="000000"/>
                     </a:solidFill>
@@ -13176,7 +13176,7 @@
               </a:ln>
               <a:extLst>
                 <a:ext uri="{91240B29-F687-4f45-9708-019B960494DF}">
-                  <a14:hiddenLine xmlns:a14="http://schemas.microsoft.com/office/drawing/2010/main" xmlns="" w="9525">
+                  <a14:hiddenLine xmlns="" xmlns:a14="http://schemas.microsoft.com/office/drawing/2010/main" w="9525">
                     <a:solidFill>
                       <a:srgbClr val="000000"/>
                     </a:solidFill>
@@ -13238,7 +13238,7 @@
               </a:ln>
               <a:extLst>
                 <a:ext uri="{91240B29-F687-4f45-9708-019B960494DF}">
-                  <a14:hiddenLine xmlns:a14="http://schemas.microsoft.com/office/drawing/2010/main" xmlns="" w="9525">
+                  <a14:hiddenLine xmlns="" xmlns:a14="http://schemas.microsoft.com/office/drawing/2010/main" w="9525">
                     <a:solidFill>
                       <a:srgbClr val="000000"/>
                     </a:solidFill>
@@ -13328,7 +13328,7 @@
               </a:ln>
               <a:extLst>
                 <a:ext uri="{91240B29-F687-4f45-9708-019B960494DF}">
-                  <a14:hiddenLine xmlns:a14="http://schemas.microsoft.com/office/drawing/2010/main" xmlns="" w="9525">
+                  <a14:hiddenLine xmlns="" xmlns:a14="http://schemas.microsoft.com/office/drawing/2010/main" w="9525">
                     <a:solidFill>
                       <a:srgbClr val="000000"/>
                     </a:solidFill>
@@ -13362,7 +13362,7 @@
               </a:ln>
               <a:extLst>
                 <a:ext uri="{91240B29-F687-4f45-9708-019B960494DF}">
-                  <a14:hiddenLine xmlns:a14="http://schemas.microsoft.com/office/drawing/2010/main" xmlns="" w="9525">
+                  <a14:hiddenLine xmlns="" xmlns:a14="http://schemas.microsoft.com/office/drawing/2010/main" w="9525">
                     <a:solidFill>
                       <a:srgbClr val="000000"/>
                     </a:solidFill>
@@ -13427,7 +13427,7 @@
               </a:ln>
               <a:extLst>
                 <a:ext uri="{91240B29-F687-4f45-9708-019B960494DF}">
-                  <a14:hiddenLine xmlns:a14="http://schemas.microsoft.com/office/drawing/2010/main" xmlns="" w="9525">
+                  <a14:hiddenLine xmlns="" xmlns:a14="http://schemas.microsoft.com/office/drawing/2010/main" w="9525">
                     <a:solidFill>
                       <a:srgbClr val="000000"/>
                     </a:solidFill>
@@ -13517,7 +13517,7 @@
               </a:ln>
               <a:extLst>
                 <a:ext uri="{91240B29-F687-4f45-9708-019B960494DF}">
-                  <a14:hiddenLine xmlns:a14="http://schemas.microsoft.com/office/drawing/2010/main" xmlns="" w="9525">
+                  <a14:hiddenLine xmlns="" xmlns:a14="http://schemas.microsoft.com/office/drawing/2010/main" w="9525">
                     <a:solidFill>
                       <a:srgbClr val="000000"/>
                     </a:solidFill>
@@ -13579,7 +13579,7 @@
               </a:ln>
               <a:extLst>
                 <a:ext uri="{91240B29-F687-4f45-9708-019B960494DF}">
-                  <a14:hiddenLine xmlns:a14="http://schemas.microsoft.com/office/drawing/2010/main" xmlns="" w="9525">
+                  <a14:hiddenLine xmlns="" xmlns:a14="http://schemas.microsoft.com/office/drawing/2010/main" w="9525">
                     <a:solidFill>
                       <a:srgbClr val="000000"/>
                     </a:solidFill>
@@ -13669,7 +13669,7 @@
               </a:ln>
               <a:extLst>
                 <a:ext uri="{91240B29-F687-4f45-9708-019B960494DF}">
-                  <a14:hiddenLine xmlns:a14="http://schemas.microsoft.com/office/drawing/2010/main" xmlns="" w="9525">
+                  <a14:hiddenLine xmlns="" xmlns:a14="http://schemas.microsoft.com/office/drawing/2010/main" w="9525">
                     <a:solidFill>
                       <a:srgbClr val="000000"/>
                     </a:solidFill>
@@ -13734,7 +13734,7 @@
               </a:ln>
               <a:extLst>
                 <a:ext uri="{91240B29-F687-4f45-9708-019B960494DF}">
-                  <a14:hiddenLine xmlns:a14="http://schemas.microsoft.com/office/drawing/2010/main" xmlns="" w="9525">
+                  <a14:hiddenLine xmlns="" xmlns:a14="http://schemas.microsoft.com/office/drawing/2010/main" w="9525">
                     <a:solidFill>
                       <a:srgbClr val="000000"/>
                     </a:solidFill>
@@ -13796,7 +13796,7 @@
               </a:ln>
               <a:extLst>
                 <a:ext uri="{91240B29-F687-4f45-9708-019B960494DF}">
-                  <a14:hiddenLine xmlns:a14="http://schemas.microsoft.com/office/drawing/2010/main" xmlns="" w="9525">
+                  <a14:hiddenLine xmlns="" xmlns:a14="http://schemas.microsoft.com/office/drawing/2010/main" w="9525">
                     <a:solidFill>
                       <a:srgbClr val="000000"/>
                     </a:solidFill>
@@ -13886,7 +13886,7 @@
               </a:ln>
               <a:extLst>
                 <a:ext uri="{91240B29-F687-4f45-9708-019B960494DF}">
-                  <a14:hiddenLine xmlns:a14="http://schemas.microsoft.com/office/drawing/2010/main" xmlns="" w="9525">
+                  <a14:hiddenLine xmlns="" xmlns:a14="http://schemas.microsoft.com/office/drawing/2010/main" w="9525">
                     <a:solidFill>
                       <a:srgbClr val="000000"/>
                     </a:solidFill>
@@ -13976,7 +13976,7 @@
               </a:ln>
               <a:extLst>
                 <a:ext uri="{91240B29-F687-4f45-9708-019B960494DF}">
-                  <a14:hiddenLine xmlns:a14="http://schemas.microsoft.com/office/drawing/2010/main" xmlns="" w="9525">
+                  <a14:hiddenLine xmlns="" xmlns:a14="http://schemas.microsoft.com/office/drawing/2010/main" w="9525">
                     <a:solidFill>
                       <a:srgbClr val="000000"/>
                     </a:solidFill>
@@ -14041,7 +14041,7 @@
               </a:ln>
               <a:extLst>
                 <a:ext uri="{91240B29-F687-4f45-9708-019B960494DF}">
-                  <a14:hiddenLine xmlns:a14="http://schemas.microsoft.com/office/drawing/2010/main" xmlns="" w="9525">
+                  <a14:hiddenLine xmlns="" xmlns:a14="http://schemas.microsoft.com/office/drawing/2010/main" w="9525">
                     <a:solidFill>
                       <a:srgbClr val="000000"/>
                     </a:solidFill>
@@ -14161,7 +14161,7 @@
               </a:ln>
               <a:extLst>
                 <a:ext uri="{91240B29-F687-4f45-9708-019B960494DF}">
-                  <a14:hiddenLine xmlns:a14="http://schemas.microsoft.com/office/drawing/2010/main" xmlns="" w="9525">
+                  <a14:hiddenLine xmlns="" xmlns:a14="http://schemas.microsoft.com/office/drawing/2010/main" w="9525">
                     <a:solidFill>
                       <a:srgbClr val="000000"/>
                     </a:solidFill>
@@ -14259,7 +14259,7 @@
               </a:ln>
               <a:extLst>
                 <a:ext uri="{91240B29-F687-4f45-9708-019B960494DF}">
-                  <a14:hiddenLine xmlns:a14="http://schemas.microsoft.com/office/drawing/2010/main" xmlns="" w="9525">
+                  <a14:hiddenLine xmlns="" xmlns:a14="http://schemas.microsoft.com/office/drawing/2010/main" w="9525">
                     <a:solidFill>
                       <a:srgbClr val="000000"/>
                     </a:solidFill>
@@ -14374,7 +14374,7 @@
               </a:ln>
               <a:extLst>
                 <a:ext uri="{91240B29-F687-4f45-9708-019B960494DF}">
-                  <a14:hiddenLine xmlns:a14="http://schemas.microsoft.com/office/drawing/2010/main" xmlns="" w="9525">
+                  <a14:hiddenLine xmlns="" xmlns:a14="http://schemas.microsoft.com/office/drawing/2010/main" w="9525">
                     <a:solidFill>
                       <a:srgbClr val="000000"/>
                     </a:solidFill>
@@ -14464,7 +14464,7 @@
               </a:ln>
               <a:extLst>
                 <a:ext uri="{91240B29-F687-4f45-9708-019B960494DF}">
-                  <a14:hiddenLine xmlns:a14="http://schemas.microsoft.com/office/drawing/2010/main" xmlns="" w="9525">
+                  <a14:hiddenLine xmlns="" xmlns:a14="http://schemas.microsoft.com/office/drawing/2010/main" w="9525">
                     <a:solidFill>
                       <a:srgbClr val="000000"/>
                     </a:solidFill>
@@ -14529,7 +14529,7 @@
               </a:ln>
               <a:extLst>
                 <a:ext uri="{91240B29-F687-4f45-9708-019B960494DF}">
-                  <a14:hiddenLine xmlns:a14="http://schemas.microsoft.com/office/drawing/2010/main" xmlns="" w="9525">
+                  <a14:hiddenLine xmlns="" xmlns:a14="http://schemas.microsoft.com/office/drawing/2010/main" w="9525">
                     <a:solidFill>
                       <a:srgbClr val="000000"/>
                     </a:solidFill>
@@ -14619,7 +14619,7 @@
               </a:ln>
               <a:extLst>
                 <a:ext uri="{91240B29-F687-4f45-9708-019B960494DF}">
-                  <a14:hiddenLine xmlns:a14="http://schemas.microsoft.com/office/drawing/2010/main" xmlns="" w="9525">
+                  <a14:hiddenLine xmlns="" xmlns:a14="http://schemas.microsoft.com/office/drawing/2010/main" w="9525">
                     <a:solidFill>
                       <a:srgbClr val="000000"/>
                     </a:solidFill>
@@ -14687,7 +14687,7 @@
               </a:ln>
               <a:extLst>
                 <a:ext uri="{91240B29-F687-4f45-9708-019B960494DF}">
-                  <a14:hiddenLine xmlns:a14="http://schemas.microsoft.com/office/drawing/2010/main" xmlns="" w="9525">
+                  <a14:hiddenLine xmlns="" xmlns:a14="http://schemas.microsoft.com/office/drawing/2010/main" w="9525">
                     <a:solidFill>
                       <a:srgbClr val="000000"/>
                     </a:solidFill>
@@ -14777,7 +14777,7 @@
               </a:ln>
               <a:extLst>
                 <a:ext uri="{91240B29-F687-4f45-9708-019B960494DF}">
-                  <a14:hiddenLine xmlns:a14="http://schemas.microsoft.com/office/drawing/2010/main" xmlns="" w="9525">
+                  <a14:hiddenLine xmlns="" xmlns:a14="http://schemas.microsoft.com/office/drawing/2010/main" w="9525">
                     <a:solidFill>
                       <a:srgbClr val="000000"/>
                     </a:solidFill>
@@ -14845,7 +14845,7 @@
               </a:ln>
               <a:extLst>
                 <a:ext uri="{91240B29-F687-4f45-9708-019B960494DF}">
-                  <a14:hiddenLine xmlns:a14="http://schemas.microsoft.com/office/drawing/2010/main" xmlns="" w="9525">
+                  <a14:hiddenLine xmlns="" xmlns:a14="http://schemas.microsoft.com/office/drawing/2010/main" w="9525">
                     <a:solidFill>
                       <a:srgbClr val="000000"/>
                     </a:solidFill>
@@ -14935,7 +14935,7 @@
               </a:ln>
               <a:extLst>
                 <a:ext uri="{91240B29-F687-4f45-9708-019B960494DF}">
-                  <a14:hiddenLine xmlns:a14="http://schemas.microsoft.com/office/drawing/2010/main" xmlns="" w="9525">
+                  <a14:hiddenLine xmlns="" xmlns:a14="http://schemas.microsoft.com/office/drawing/2010/main" w="9525">
                     <a:solidFill>
                       <a:srgbClr val="000000"/>
                     </a:solidFill>
@@ -14969,7 +14969,7 @@
               </a:ln>
               <a:extLst>
                 <a:ext uri="{91240B29-F687-4f45-9708-019B960494DF}">
-                  <a14:hiddenLine xmlns:a14="http://schemas.microsoft.com/office/drawing/2010/main" xmlns="" w="9525">
+                  <a14:hiddenLine xmlns="" xmlns:a14="http://schemas.microsoft.com/office/drawing/2010/main" w="9525">
                     <a:solidFill>
                       <a:srgbClr val="000000"/>
                     </a:solidFill>
@@ -17096,6 +17096,12 @@
               <a:t>Test code on robot</a:t>
             </a:r>
           </a:p>
+          <a:p>
+            <a:r>
+              <a:rPr lang="en-US" dirty="0"/>
+              <a:t>Upload changes to GitHub (more on that later)</a:t>
+            </a:r>
+          </a:p>
         </p:txBody>
       </p:sp>
     </p:spTree>
@@ -17208,7 +17214,7 @@
           <a:noFill/>
           <a:extLst>
             <a:ext uri="{909E8E84-426E-40dd-AFC4-6F175D3DCCD1}">
-              <a14:hiddenFill xmlns:a14="http://schemas.microsoft.com/office/drawing/2010/main" xmlns:p14="http://schemas.microsoft.com/office/powerpoint/2010/main" xmlns:a16="http://schemas.microsoft.com/office/drawing/2014/main" xmlns="">
+              <a14:hiddenFill xmlns="" xmlns:a16="http://schemas.microsoft.com/office/drawing/2014/main" xmlns:p14="http://schemas.microsoft.com/office/powerpoint/2010/main" xmlns:a14="http://schemas.microsoft.com/office/drawing/2010/main">
                 <a:solidFill>
                   <a:srgbClr val="FFFFFF"/>
                 </a:solidFill>
@@ -17329,7 +17335,7 @@
               </a:ln>
               <a:extLst>
                 <a:ext uri="{91240B29-F687-4f45-9708-019B960494DF}">
-                  <a14:hiddenLine xmlns:a14="http://schemas.microsoft.com/office/drawing/2010/main" xmlns:p14="http://schemas.microsoft.com/office/powerpoint/2010/main" xmlns:a16="http://schemas.microsoft.com/office/drawing/2014/main" xmlns="" w="9525">
+                  <a14:hiddenLine xmlns="" xmlns:a16="http://schemas.microsoft.com/office/drawing/2014/main" xmlns:p14="http://schemas.microsoft.com/office/powerpoint/2010/main" xmlns:a14="http://schemas.microsoft.com/office/drawing/2010/main" w="9525">
                     <a:solidFill>
                       <a:srgbClr val="000000"/>
                     </a:solidFill>
@@ -17434,7 +17440,7 @@
               </a:ln>
               <a:extLst>
                 <a:ext uri="{91240B29-F687-4f45-9708-019B960494DF}">
-                  <a14:hiddenLine xmlns:a14="http://schemas.microsoft.com/office/drawing/2010/main" xmlns:p14="http://schemas.microsoft.com/office/powerpoint/2010/main" xmlns:a16="http://schemas.microsoft.com/office/drawing/2014/main" xmlns="" w="9525">
+                  <a14:hiddenLine xmlns="" xmlns:a16="http://schemas.microsoft.com/office/drawing/2014/main" xmlns:p14="http://schemas.microsoft.com/office/powerpoint/2010/main" xmlns:a14="http://schemas.microsoft.com/office/drawing/2010/main" w="9525">
                     <a:solidFill>
                       <a:srgbClr val="000000"/>
                     </a:solidFill>
@@ -17539,7 +17545,7 @@
               </a:ln>
               <a:extLst>
                 <a:ext uri="{91240B29-F687-4f45-9708-019B960494DF}">
-                  <a14:hiddenLine xmlns:a14="http://schemas.microsoft.com/office/drawing/2010/main" xmlns:p14="http://schemas.microsoft.com/office/powerpoint/2010/main" xmlns:a16="http://schemas.microsoft.com/office/drawing/2014/main" xmlns="" w="9525">
+                  <a14:hiddenLine xmlns="" xmlns:a16="http://schemas.microsoft.com/office/drawing/2014/main" xmlns:p14="http://schemas.microsoft.com/office/powerpoint/2010/main" xmlns:a14="http://schemas.microsoft.com/office/drawing/2010/main" w="9525">
                     <a:solidFill>
                       <a:srgbClr val="000000"/>
                     </a:solidFill>
@@ -17616,7 +17622,7 @@
               </a:ln>
               <a:extLst>
                 <a:ext uri="{91240B29-F687-4f45-9708-019B960494DF}">
-                  <a14:hiddenLine xmlns:a14="http://schemas.microsoft.com/office/drawing/2010/main" xmlns:p14="http://schemas.microsoft.com/office/powerpoint/2010/main" xmlns:a16="http://schemas.microsoft.com/office/drawing/2014/main" xmlns="" w="9525">
+                  <a14:hiddenLine xmlns="" xmlns:a16="http://schemas.microsoft.com/office/drawing/2014/main" xmlns:p14="http://schemas.microsoft.com/office/powerpoint/2010/main" xmlns:a14="http://schemas.microsoft.com/office/drawing/2010/main" w="9525">
                     <a:solidFill>
                       <a:srgbClr val="000000"/>
                     </a:solidFill>
@@ -17721,7 +17727,7 @@
               </a:ln>
               <a:extLst>
                 <a:ext uri="{91240B29-F687-4f45-9708-019B960494DF}">
-                  <a14:hiddenLine xmlns:a14="http://schemas.microsoft.com/office/drawing/2010/main" xmlns:p14="http://schemas.microsoft.com/office/powerpoint/2010/main" xmlns:a16="http://schemas.microsoft.com/office/drawing/2014/main" xmlns="" w="9525">
+                  <a14:hiddenLine xmlns="" xmlns:a16="http://schemas.microsoft.com/office/drawing/2014/main" xmlns:p14="http://schemas.microsoft.com/office/powerpoint/2010/main" xmlns:a14="http://schemas.microsoft.com/office/drawing/2010/main" w="9525">
                     <a:solidFill>
                       <a:srgbClr val="000000"/>
                     </a:solidFill>
@@ -17798,7 +17804,7 @@
               </a:ln>
               <a:extLst>
                 <a:ext uri="{91240B29-F687-4f45-9708-019B960494DF}">
-                  <a14:hiddenLine xmlns:a14="http://schemas.microsoft.com/office/drawing/2010/main" xmlns:p14="http://schemas.microsoft.com/office/powerpoint/2010/main" xmlns:a16="http://schemas.microsoft.com/office/drawing/2014/main" xmlns="" w="9525">
+                  <a14:hiddenLine xmlns="" xmlns:a16="http://schemas.microsoft.com/office/drawing/2014/main" xmlns:p14="http://schemas.microsoft.com/office/powerpoint/2010/main" xmlns:a14="http://schemas.microsoft.com/office/drawing/2010/main" w="9525">
                     <a:solidFill>
                       <a:srgbClr val="000000"/>
                     </a:solidFill>
@@ -17875,7 +17881,7 @@
               </a:ln>
               <a:extLst>
                 <a:ext uri="{91240B29-F687-4f45-9708-019B960494DF}">
-                  <a14:hiddenLine xmlns:a14="http://schemas.microsoft.com/office/drawing/2010/main" xmlns:p14="http://schemas.microsoft.com/office/powerpoint/2010/main" xmlns:a16="http://schemas.microsoft.com/office/drawing/2014/main" xmlns="" w="9525">
+                  <a14:hiddenLine xmlns="" xmlns:a16="http://schemas.microsoft.com/office/drawing/2014/main" xmlns:p14="http://schemas.microsoft.com/office/powerpoint/2010/main" xmlns:a14="http://schemas.microsoft.com/office/drawing/2010/main" w="9525">
                     <a:solidFill>
                       <a:srgbClr val="000000"/>
                     </a:solidFill>
@@ -17980,7 +17986,7 @@
               </a:ln>
               <a:extLst>
                 <a:ext uri="{91240B29-F687-4f45-9708-019B960494DF}">
-                  <a14:hiddenLine xmlns:a14="http://schemas.microsoft.com/office/drawing/2010/main" xmlns:p14="http://schemas.microsoft.com/office/powerpoint/2010/main" xmlns:a16="http://schemas.microsoft.com/office/drawing/2014/main" xmlns="" w="9525">
+                  <a14:hiddenLine xmlns="" xmlns:a16="http://schemas.microsoft.com/office/drawing/2014/main" xmlns:p14="http://schemas.microsoft.com/office/powerpoint/2010/main" xmlns:a14="http://schemas.microsoft.com/office/drawing/2010/main" w="9525">
                     <a:solidFill>
                       <a:srgbClr val="000000"/>
                     </a:solidFill>
@@ -18085,7 +18091,7 @@
               </a:ln>
               <a:extLst>
                 <a:ext uri="{91240B29-F687-4f45-9708-019B960494DF}">
-                  <a14:hiddenLine xmlns:a14="http://schemas.microsoft.com/office/drawing/2010/main" xmlns:p14="http://schemas.microsoft.com/office/powerpoint/2010/main" xmlns:a16="http://schemas.microsoft.com/office/drawing/2014/main" xmlns="" w="9525">
+                  <a14:hiddenLine xmlns="" xmlns:a16="http://schemas.microsoft.com/office/drawing/2014/main" xmlns:p14="http://schemas.microsoft.com/office/powerpoint/2010/main" xmlns:a14="http://schemas.microsoft.com/office/drawing/2010/main" w="9525">
                     <a:solidFill>
                       <a:srgbClr val="000000"/>
                     </a:solidFill>
@@ -18162,7 +18168,7 @@
               </a:ln>
               <a:extLst>
                 <a:ext uri="{91240B29-F687-4f45-9708-019B960494DF}">
-                  <a14:hiddenLine xmlns:a14="http://schemas.microsoft.com/office/drawing/2010/main" xmlns:p14="http://schemas.microsoft.com/office/powerpoint/2010/main" xmlns:a16="http://schemas.microsoft.com/office/drawing/2014/main" xmlns="" w="9525">
+                  <a14:hiddenLine xmlns="" xmlns:a16="http://schemas.microsoft.com/office/drawing/2014/main" xmlns:p14="http://schemas.microsoft.com/office/powerpoint/2010/main" xmlns:a14="http://schemas.microsoft.com/office/drawing/2010/main" w="9525">
                     <a:solidFill>
                       <a:srgbClr val="000000"/>
                     </a:solidFill>
@@ -18287,7 +18293,7 @@
               </a:ln>
               <a:extLst>
                 <a:ext uri="{91240B29-F687-4f45-9708-019B960494DF}">
-                  <a14:hiddenLine xmlns:a14="http://schemas.microsoft.com/office/drawing/2010/main" xmlns:p14="http://schemas.microsoft.com/office/powerpoint/2010/main" xmlns:a16="http://schemas.microsoft.com/office/drawing/2014/main" xmlns="" w="9525">
+                  <a14:hiddenLine xmlns="" xmlns:a16="http://schemas.microsoft.com/office/drawing/2014/main" xmlns:p14="http://schemas.microsoft.com/office/powerpoint/2010/main" xmlns:a14="http://schemas.microsoft.com/office/drawing/2010/main" w="9525">
                     <a:solidFill>
                       <a:srgbClr val="000000"/>
                     </a:solidFill>
@@ -18401,7 +18407,7 @@
               </a:ln>
               <a:extLst>
                 <a:ext uri="{91240B29-F687-4f45-9708-019B960494DF}">
-                  <a14:hiddenLine xmlns:a14="http://schemas.microsoft.com/office/drawing/2010/main" xmlns:p14="http://schemas.microsoft.com/office/powerpoint/2010/main" xmlns:a16="http://schemas.microsoft.com/office/drawing/2014/main" xmlns="" w="9525">
+                  <a14:hiddenLine xmlns="" xmlns:a16="http://schemas.microsoft.com/office/drawing/2014/main" xmlns:p14="http://schemas.microsoft.com/office/powerpoint/2010/main" xmlns:a14="http://schemas.microsoft.com/office/drawing/2010/main" w="9525">
                     <a:solidFill>
                       <a:srgbClr val="000000"/>
                     </a:solidFill>
@@ -18478,7 +18484,7 @@
               </a:ln>
               <a:extLst>
                 <a:ext uri="{91240B29-F687-4f45-9708-019B960494DF}">
-                  <a14:hiddenLine xmlns:a14="http://schemas.microsoft.com/office/drawing/2010/main" xmlns:p14="http://schemas.microsoft.com/office/powerpoint/2010/main" xmlns:a16="http://schemas.microsoft.com/office/drawing/2014/main" xmlns="" w="9525">
+                  <a14:hiddenLine xmlns="" xmlns:a16="http://schemas.microsoft.com/office/drawing/2014/main" xmlns:p14="http://schemas.microsoft.com/office/powerpoint/2010/main" xmlns:a14="http://schemas.microsoft.com/office/drawing/2010/main" w="9525">
                     <a:solidFill>
                       <a:srgbClr val="000000"/>
                     </a:solidFill>
@@ -18555,7 +18561,7 @@
               </a:ln>
               <a:extLst>
                 <a:ext uri="{91240B29-F687-4f45-9708-019B960494DF}">
-                  <a14:hiddenLine xmlns:a14="http://schemas.microsoft.com/office/drawing/2010/main" xmlns:p14="http://schemas.microsoft.com/office/powerpoint/2010/main" xmlns:a16="http://schemas.microsoft.com/office/drawing/2014/main" xmlns="" w="9525">
+                  <a14:hiddenLine xmlns="" xmlns:a16="http://schemas.microsoft.com/office/drawing/2014/main" xmlns:p14="http://schemas.microsoft.com/office/powerpoint/2010/main" xmlns:a14="http://schemas.microsoft.com/office/drawing/2010/main" w="9525">
                     <a:solidFill>
                       <a:srgbClr val="000000"/>
                     </a:solidFill>
@@ -18660,7 +18666,7 @@
               </a:ln>
               <a:extLst>
                 <a:ext uri="{91240B29-F687-4f45-9708-019B960494DF}">
-                  <a14:hiddenLine xmlns:a14="http://schemas.microsoft.com/office/drawing/2010/main" xmlns:p14="http://schemas.microsoft.com/office/powerpoint/2010/main" xmlns:a16="http://schemas.microsoft.com/office/drawing/2014/main" xmlns="" w="9525">
+                  <a14:hiddenLine xmlns="" xmlns:a16="http://schemas.microsoft.com/office/drawing/2014/main" xmlns:p14="http://schemas.microsoft.com/office/powerpoint/2010/main" xmlns:a14="http://schemas.microsoft.com/office/drawing/2010/main" w="9525">
                     <a:solidFill>
                       <a:srgbClr val="000000"/>
                     </a:solidFill>
@@ -18709,7 +18715,7 @@
               </a:ln>
               <a:extLst>
                 <a:ext uri="{91240B29-F687-4f45-9708-019B960494DF}">
-                  <a14:hiddenLine xmlns:a14="http://schemas.microsoft.com/office/drawing/2010/main" xmlns:p14="http://schemas.microsoft.com/office/powerpoint/2010/main" xmlns:a16="http://schemas.microsoft.com/office/drawing/2014/main" xmlns="" w="9525">
+                  <a14:hiddenLine xmlns="" xmlns:a16="http://schemas.microsoft.com/office/drawing/2014/main" xmlns:p14="http://schemas.microsoft.com/office/powerpoint/2010/main" xmlns:a14="http://schemas.microsoft.com/office/drawing/2010/main" w="9525">
                     <a:solidFill>
                       <a:srgbClr val="000000"/>
                     </a:solidFill>
@@ -18789,7 +18795,7 @@
               </a:ln>
               <a:extLst>
                 <a:ext uri="{91240B29-F687-4f45-9708-019B960494DF}">
-                  <a14:hiddenLine xmlns:a14="http://schemas.microsoft.com/office/drawing/2010/main" xmlns:p14="http://schemas.microsoft.com/office/powerpoint/2010/main" xmlns:a16="http://schemas.microsoft.com/office/drawing/2014/main" xmlns="" w="9525">
+                  <a14:hiddenLine xmlns="" xmlns:a16="http://schemas.microsoft.com/office/drawing/2014/main" xmlns:p14="http://schemas.microsoft.com/office/powerpoint/2010/main" xmlns:a14="http://schemas.microsoft.com/office/drawing/2010/main" w="9525">
                     <a:solidFill>
                       <a:srgbClr val="000000"/>
                     </a:solidFill>
@@ -18894,7 +18900,7 @@
               </a:ln>
               <a:extLst>
                 <a:ext uri="{91240B29-F687-4f45-9708-019B960494DF}">
-                  <a14:hiddenLine xmlns:a14="http://schemas.microsoft.com/office/drawing/2010/main" xmlns:p14="http://schemas.microsoft.com/office/powerpoint/2010/main" xmlns:a16="http://schemas.microsoft.com/office/drawing/2014/main" xmlns="" w="9525">
+                  <a14:hiddenLine xmlns="" xmlns:a16="http://schemas.microsoft.com/office/drawing/2014/main" xmlns:p14="http://schemas.microsoft.com/office/powerpoint/2010/main" xmlns:a14="http://schemas.microsoft.com/office/drawing/2010/main" w="9525">
                     <a:solidFill>
                       <a:srgbClr val="000000"/>
                     </a:solidFill>
@@ -18971,7 +18977,7 @@
               </a:ln>
               <a:extLst>
                 <a:ext uri="{91240B29-F687-4f45-9708-019B960494DF}">
-                  <a14:hiddenLine xmlns:a14="http://schemas.microsoft.com/office/drawing/2010/main" xmlns:p14="http://schemas.microsoft.com/office/powerpoint/2010/main" xmlns:a16="http://schemas.microsoft.com/office/drawing/2014/main" xmlns="" w="9525">
+                  <a14:hiddenLine xmlns="" xmlns:a16="http://schemas.microsoft.com/office/drawing/2014/main" xmlns:p14="http://schemas.microsoft.com/office/powerpoint/2010/main" xmlns:a14="http://schemas.microsoft.com/office/drawing/2010/main" w="9525">
                     <a:solidFill>
                       <a:srgbClr val="000000"/>
                     </a:solidFill>
@@ -19076,7 +19082,7 @@
               </a:ln>
               <a:extLst>
                 <a:ext uri="{91240B29-F687-4f45-9708-019B960494DF}">
-                  <a14:hiddenLine xmlns:a14="http://schemas.microsoft.com/office/drawing/2010/main" xmlns:p14="http://schemas.microsoft.com/office/powerpoint/2010/main" xmlns:a16="http://schemas.microsoft.com/office/drawing/2014/main" xmlns="" w="9525">
+                  <a14:hiddenLine xmlns="" xmlns:a16="http://schemas.microsoft.com/office/drawing/2014/main" xmlns:p14="http://schemas.microsoft.com/office/powerpoint/2010/main" xmlns:a14="http://schemas.microsoft.com/office/drawing/2010/main" w="9525">
                     <a:solidFill>
                       <a:srgbClr val="000000"/>
                     </a:solidFill>
@@ -19156,7 +19162,7 @@
               </a:ln>
               <a:extLst>
                 <a:ext uri="{91240B29-F687-4f45-9708-019B960494DF}">
-                  <a14:hiddenLine xmlns:a14="http://schemas.microsoft.com/office/drawing/2010/main" xmlns:p14="http://schemas.microsoft.com/office/powerpoint/2010/main" xmlns:a16="http://schemas.microsoft.com/office/drawing/2014/main" xmlns="" w="9525">
+                  <a14:hiddenLine xmlns="" xmlns:a16="http://schemas.microsoft.com/office/drawing/2014/main" xmlns:p14="http://schemas.microsoft.com/office/powerpoint/2010/main" xmlns:a14="http://schemas.microsoft.com/office/drawing/2010/main" w="9525">
                     <a:solidFill>
                       <a:srgbClr val="000000"/>
                     </a:solidFill>
@@ -19233,7 +19239,7 @@
               </a:ln>
               <a:extLst>
                 <a:ext uri="{91240B29-F687-4f45-9708-019B960494DF}">
-                  <a14:hiddenLine xmlns:a14="http://schemas.microsoft.com/office/drawing/2010/main" xmlns:p14="http://schemas.microsoft.com/office/powerpoint/2010/main" xmlns:a16="http://schemas.microsoft.com/office/drawing/2014/main" xmlns="" w="9525">
+                  <a14:hiddenLine xmlns="" xmlns:a16="http://schemas.microsoft.com/office/drawing/2014/main" xmlns:p14="http://schemas.microsoft.com/office/powerpoint/2010/main" xmlns:a14="http://schemas.microsoft.com/office/drawing/2010/main" w="9525">
                     <a:solidFill>
                       <a:srgbClr val="000000"/>
                     </a:solidFill>
@@ -19338,7 +19344,7 @@
               </a:ln>
               <a:extLst>
                 <a:ext uri="{91240B29-F687-4f45-9708-019B960494DF}">
-                  <a14:hiddenLine xmlns:a14="http://schemas.microsoft.com/office/drawing/2010/main" xmlns:p14="http://schemas.microsoft.com/office/powerpoint/2010/main" xmlns:a16="http://schemas.microsoft.com/office/drawing/2014/main" xmlns="" w="9525">
+                  <a14:hiddenLine xmlns="" xmlns:a16="http://schemas.microsoft.com/office/drawing/2014/main" xmlns:p14="http://schemas.microsoft.com/office/powerpoint/2010/main" xmlns:a14="http://schemas.microsoft.com/office/drawing/2010/main" w="9525">
                     <a:solidFill>
                       <a:srgbClr val="000000"/>
                     </a:solidFill>
@@ -19443,7 +19449,7 @@
               </a:ln>
               <a:extLst>
                 <a:ext uri="{91240B29-F687-4f45-9708-019B960494DF}">
-                  <a14:hiddenLine xmlns:a14="http://schemas.microsoft.com/office/drawing/2010/main" xmlns:p14="http://schemas.microsoft.com/office/powerpoint/2010/main" xmlns:a16="http://schemas.microsoft.com/office/drawing/2014/main" xmlns="" w="9525">
+                  <a14:hiddenLine xmlns="" xmlns:a16="http://schemas.microsoft.com/office/drawing/2014/main" xmlns:p14="http://schemas.microsoft.com/office/powerpoint/2010/main" xmlns:a14="http://schemas.microsoft.com/office/drawing/2010/main" w="9525">
                     <a:solidFill>
                       <a:srgbClr val="000000"/>
                     </a:solidFill>
@@ -19523,7 +19529,7 @@
               </a:ln>
               <a:extLst>
                 <a:ext uri="{91240B29-F687-4f45-9708-019B960494DF}">
-                  <a14:hiddenLine xmlns:a14="http://schemas.microsoft.com/office/drawing/2010/main" xmlns:p14="http://schemas.microsoft.com/office/powerpoint/2010/main" xmlns:a16="http://schemas.microsoft.com/office/drawing/2014/main" xmlns="" w="9525">
+                  <a14:hiddenLine xmlns="" xmlns:a16="http://schemas.microsoft.com/office/drawing/2014/main" xmlns:p14="http://schemas.microsoft.com/office/powerpoint/2010/main" xmlns:a14="http://schemas.microsoft.com/office/drawing/2010/main" w="9525">
                     <a:solidFill>
                       <a:srgbClr val="000000"/>
                     </a:solidFill>
@@ -19658,7 +19664,7 @@
               </a:ln>
               <a:extLst>
                 <a:ext uri="{91240B29-F687-4f45-9708-019B960494DF}">
-                  <a14:hiddenLine xmlns:a14="http://schemas.microsoft.com/office/drawing/2010/main" xmlns:p14="http://schemas.microsoft.com/office/powerpoint/2010/main" xmlns:a16="http://schemas.microsoft.com/office/drawing/2014/main" xmlns="" w="9525">
+                  <a14:hiddenLine xmlns="" xmlns:a16="http://schemas.microsoft.com/office/drawing/2014/main" xmlns:p14="http://schemas.microsoft.com/office/powerpoint/2010/main" xmlns:a14="http://schemas.microsoft.com/office/drawing/2010/main" w="9525">
                     <a:solidFill>
                       <a:srgbClr val="000000"/>
                     </a:solidFill>
@@ -19786,7 +19792,7 @@
               </a:ln>
               <a:extLst>
                 <a:ext uri="{91240B29-F687-4f45-9708-019B960494DF}">
-                  <a14:hiddenLine xmlns:a14="http://schemas.microsoft.com/office/drawing/2010/main" xmlns:p14="http://schemas.microsoft.com/office/powerpoint/2010/main" xmlns:a16="http://schemas.microsoft.com/office/drawing/2014/main" xmlns="" w="9525">
+                  <a14:hiddenLine xmlns="" xmlns:a16="http://schemas.microsoft.com/office/drawing/2014/main" xmlns:p14="http://schemas.microsoft.com/office/powerpoint/2010/main" xmlns:a14="http://schemas.microsoft.com/office/drawing/2010/main" w="9525">
                     <a:solidFill>
                       <a:srgbClr val="000000"/>
                     </a:solidFill>
@@ -19916,7 +19922,7 @@
               </a:ln>
               <a:extLst>
                 <a:ext uri="{91240B29-F687-4f45-9708-019B960494DF}">
-                  <a14:hiddenLine xmlns:a14="http://schemas.microsoft.com/office/drawing/2010/main" xmlns:p14="http://schemas.microsoft.com/office/powerpoint/2010/main" xmlns:a16="http://schemas.microsoft.com/office/drawing/2014/main" xmlns="" w="9525">
+                  <a14:hiddenLine xmlns="" xmlns:a16="http://schemas.microsoft.com/office/drawing/2014/main" xmlns:p14="http://schemas.microsoft.com/office/powerpoint/2010/main" xmlns:a14="http://schemas.microsoft.com/office/drawing/2010/main" w="9525">
                     <a:solidFill>
                       <a:srgbClr val="000000"/>
                     </a:solidFill>
@@ -20021,7 +20027,7 @@
               </a:ln>
               <a:extLst>
                 <a:ext uri="{91240B29-F687-4f45-9708-019B960494DF}">
-                  <a14:hiddenLine xmlns:a14="http://schemas.microsoft.com/office/drawing/2010/main" xmlns:p14="http://schemas.microsoft.com/office/powerpoint/2010/main" xmlns:a16="http://schemas.microsoft.com/office/drawing/2014/main" xmlns="" w="9525">
+                  <a14:hiddenLine xmlns="" xmlns:a16="http://schemas.microsoft.com/office/drawing/2014/main" xmlns:p14="http://schemas.microsoft.com/office/powerpoint/2010/main" xmlns:a14="http://schemas.microsoft.com/office/drawing/2010/main" w="9525">
                     <a:solidFill>
                       <a:srgbClr val="000000"/>
                     </a:solidFill>
@@ -20101,7 +20107,7 @@
               </a:ln>
               <a:extLst>
                 <a:ext uri="{91240B29-F687-4f45-9708-019B960494DF}">
-                  <a14:hiddenLine xmlns:a14="http://schemas.microsoft.com/office/drawing/2010/main" xmlns:p14="http://schemas.microsoft.com/office/powerpoint/2010/main" xmlns:a16="http://schemas.microsoft.com/office/drawing/2014/main" xmlns="" w="9525">
+                  <a14:hiddenLine xmlns="" xmlns:a16="http://schemas.microsoft.com/office/drawing/2014/main" xmlns:p14="http://schemas.microsoft.com/office/powerpoint/2010/main" xmlns:a14="http://schemas.microsoft.com/office/drawing/2010/main" w="9525">
                     <a:solidFill>
                       <a:srgbClr val="000000"/>
                     </a:solidFill>
@@ -20206,7 +20212,7 @@
               </a:ln>
               <a:extLst>
                 <a:ext uri="{91240B29-F687-4f45-9708-019B960494DF}">
-                  <a14:hiddenLine xmlns:a14="http://schemas.microsoft.com/office/drawing/2010/main" xmlns:p14="http://schemas.microsoft.com/office/powerpoint/2010/main" xmlns:a16="http://schemas.microsoft.com/office/drawing/2014/main" xmlns="" w="9525">
+                  <a14:hiddenLine xmlns="" xmlns:a16="http://schemas.microsoft.com/office/drawing/2014/main" xmlns:p14="http://schemas.microsoft.com/office/powerpoint/2010/main" xmlns:a14="http://schemas.microsoft.com/office/drawing/2010/main" w="9525">
                     <a:solidFill>
                       <a:srgbClr val="000000"/>
                     </a:solidFill>
@@ -20289,7 +20295,7 @@
               </a:ln>
               <a:extLst>
                 <a:ext uri="{91240B29-F687-4f45-9708-019B960494DF}">
-                  <a14:hiddenLine xmlns:a14="http://schemas.microsoft.com/office/drawing/2010/main" xmlns:p14="http://schemas.microsoft.com/office/powerpoint/2010/main" xmlns:a16="http://schemas.microsoft.com/office/drawing/2014/main" xmlns="" w="9525">
+                  <a14:hiddenLine xmlns="" xmlns:a16="http://schemas.microsoft.com/office/drawing/2014/main" xmlns:p14="http://schemas.microsoft.com/office/powerpoint/2010/main" xmlns:a14="http://schemas.microsoft.com/office/drawing/2010/main" w="9525">
                     <a:solidFill>
                       <a:srgbClr val="000000"/>
                     </a:solidFill>
@@ -20394,7 +20400,7 @@
               </a:ln>
               <a:extLst>
                 <a:ext uri="{91240B29-F687-4f45-9708-019B960494DF}">
-                  <a14:hiddenLine xmlns:a14="http://schemas.microsoft.com/office/drawing/2010/main" xmlns:p14="http://schemas.microsoft.com/office/powerpoint/2010/main" xmlns:a16="http://schemas.microsoft.com/office/drawing/2014/main" xmlns="" w="9525">
+                  <a14:hiddenLine xmlns="" xmlns:a16="http://schemas.microsoft.com/office/drawing/2014/main" xmlns:p14="http://schemas.microsoft.com/office/powerpoint/2010/main" xmlns:a14="http://schemas.microsoft.com/office/drawing/2010/main" w="9525">
                     <a:solidFill>
                       <a:srgbClr val="000000"/>
                     </a:solidFill>
@@ -20477,7 +20483,7 @@
               </a:ln>
               <a:extLst>
                 <a:ext uri="{91240B29-F687-4f45-9708-019B960494DF}">
-                  <a14:hiddenLine xmlns:a14="http://schemas.microsoft.com/office/drawing/2010/main" xmlns:p14="http://schemas.microsoft.com/office/powerpoint/2010/main" xmlns:a16="http://schemas.microsoft.com/office/drawing/2014/main" xmlns="" w="9525">
+                  <a14:hiddenLine xmlns="" xmlns:a16="http://schemas.microsoft.com/office/drawing/2014/main" xmlns:p14="http://schemas.microsoft.com/office/powerpoint/2010/main" xmlns:a14="http://schemas.microsoft.com/office/drawing/2010/main" w="9525">
                     <a:solidFill>
                       <a:srgbClr val="000000"/>
                     </a:solidFill>
@@ -20582,7 +20588,7 @@
               </a:ln>
               <a:extLst>
                 <a:ext uri="{91240B29-F687-4f45-9708-019B960494DF}">
-                  <a14:hiddenLine xmlns:a14="http://schemas.microsoft.com/office/drawing/2010/main" xmlns:p14="http://schemas.microsoft.com/office/powerpoint/2010/main" xmlns:a16="http://schemas.microsoft.com/office/drawing/2014/main" xmlns="" w="9525">
+                  <a14:hiddenLine xmlns="" xmlns:a16="http://schemas.microsoft.com/office/drawing/2014/main" xmlns:p14="http://schemas.microsoft.com/office/powerpoint/2010/main" xmlns:a14="http://schemas.microsoft.com/office/drawing/2010/main" w="9525">
                     <a:solidFill>
                       <a:srgbClr val="000000"/>
                     </a:solidFill>
@@ -20631,7 +20637,7 @@
               </a:ln>
               <a:extLst>
                 <a:ext uri="{91240B29-F687-4f45-9708-019B960494DF}">
-                  <a14:hiddenLine xmlns:a14="http://schemas.microsoft.com/office/drawing/2010/main" xmlns:p14="http://schemas.microsoft.com/office/powerpoint/2010/main" xmlns:a16="http://schemas.microsoft.com/office/drawing/2014/main" xmlns="" w="9525">
+                  <a14:hiddenLine xmlns="" xmlns:a16="http://schemas.microsoft.com/office/drawing/2014/main" xmlns:p14="http://schemas.microsoft.com/office/powerpoint/2010/main" xmlns:a14="http://schemas.microsoft.com/office/drawing/2010/main" w="9525">
                     <a:solidFill>
                       <a:srgbClr val="000000"/>
                     </a:solidFill>
